--- a/Präsentation ML HARB.pptx
+++ b/Präsentation ML HARB.pptx
@@ -9183,7 +9183,7 @@
             <p:ph idx="1"/>
             <p:extLst>
               <p:ext uri="{D42A27DB-BD31-4B8C-83A1-F6EECF244321}">
-                <p14:modId xmlns:p14="http://schemas.microsoft.com/office/powerpoint/2010/main" val="640495063"/>
+                <p14:modId xmlns:p14="http://schemas.microsoft.com/office/powerpoint/2010/main" val="2981370682"/>
               </p:ext>
             </p:extLst>
           </p:nvPr>
@@ -9380,7 +9380,7 @@
                     <a:p>
                       <a:r>
                         <a:rPr lang="de-DE" dirty="0"/>
-                        <a:t>0,939</a:t>
+                        <a:t>0,93</a:t>
                       </a:r>
                       <a:endParaRPr lang="en-US" dirty="0"/>
                     </a:p>
@@ -9912,7 +9912,7 @@
             <p:ph idx="1"/>
             <p:extLst>
               <p:ext uri="{D42A27DB-BD31-4B8C-83A1-F6EECF244321}">
-                <p14:modId xmlns:p14="http://schemas.microsoft.com/office/powerpoint/2010/main" val="1702324283"/>
+                <p14:modId xmlns:p14="http://schemas.microsoft.com/office/powerpoint/2010/main" val="2022852502"/>
               </p:ext>
             </p:extLst>
           </p:nvPr>
@@ -10228,21 +10228,21 @@
                     <a:p>
                       <a:r>
                         <a:rPr lang="de-DE" dirty="0"/>
-                        <a:t>0,48</a:t>
-                      </a:r>
-                      <a:endParaRPr lang="en-US" dirty="0"/>
-                    </a:p>
-                  </a:txBody>
-                  <a:tcPr/>
-                </a:tc>
-                <a:tc>
-                  <a:txBody>
-                    <a:bodyPr/>
-                    <a:lstStyle/>
-                    <a:p>
-                      <a:r>
-                        <a:rPr lang="de-DE" dirty="0"/>
-                        <a:t>0,33</a:t>
+                        <a:t>0,79</a:t>
+                      </a:r>
+                      <a:endParaRPr lang="en-US" dirty="0"/>
+                    </a:p>
+                  </a:txBody>
+                  <a:tcPr/>
+                </a:tc>
+                <a:tc>
+                  <a:txBody>
+                    <a:bodyPr/>
+                    <a:lstStyle/>
+                    <a:p>
+                      <a:r>
+                        <a:rPr lang="de-DE" dirty="0"/>
+                        <a:t>0,77</a:t>
                       </a:r>
                       <a:endParaRPr lang="en-US" dirty="0"/>
                     </a:p>
@@ -10270,21 +10270,21 @@
                     <a:p>
                       <a:r>
                         <a:rPr lang="de-DE" dirty="0"/>
-                        <a:t>0,43</a:t>
-                      </a:r>
-                      <a:endParaRPr lang="en-US" dirty="0"/>
-                    </a:p>
-                  </a:txBody>
-                  <a:tcPr/>
-                </a:tc>
-                <a:tc>
-                  <a:txBody>
-                    <a:bodyPr/>
-                    <a:lstStyle/>
-                    <a:p>
-                      <a:r>
-                        <a:rPr lang="de-DE" dirty="0"/>
-                        <a:t>1</a:t>
+                        <a:t>0,68</a:t>
+                      </a:r>
+                      <a:endParaRPr lang="en-US" dirty="0"/>
+                    </a:p>
+                  </a:txBody>
+                  <a:tcPr/>
+                </a:tc>
+                <a:tc>
+                  <a:txBody>
+                    <a:bodyPr/>
+                    <a:lstStyle/>
+                    <a:p>
+                      <a:r>
+                        <a:rPr lang="de-DE" dirty="0"/>
+                        <a:t>0,99</a:t>
                       </a:r>
                       <a:endParaRPr lang="en-US" dirty="0"/>
                     </a:p>
@@ -10435,7 +10435,7 @@
           <a:p>
             <a:r>
               <a:rPr lang="de-DE" dirty="0"/>
-              <a:t>-&gt; Klasse 4 wird immer richtig erkannt</a:t>
+              <a:t>-&gt; Klasse 4 wird richtig erkannt</a:t>
             </a:r>
             <a:endParaRPr lang="en-US" dirty="0"/>
           </a:p>

--- a/Präsentation ML HARB.pptx
+++ b/Präsentation ML HARB.pptx
@@ -5,24 +5,23 @@
     <p:sldMasterId id="2147483672" r:id="rId1"/>
   </p:sldMasterIdLst>
   <p:notesMasterIdLst>
-    <p:notesMasterId r:id="rId14"/>
+    <p:notesMasterId r:id="rId13"/>
   </p:notesMasterIdLst>
   <p:handoutMasterIdLst>
-    <p:handoutMasterId r:id="rId15"/>
+    <p:handoutMasterId r:id="rId14"/>
   </p:handoutMasterIdLst>
   <p:sldIdLst>
     <p:sldId id="256" r:id="rId2"/>
     <p:sldId id="265" r:id="rId3"/>
     <p:sldId id="264" r:id="rId4"/>
     <p:sldId id="272" r:id="rId5"/>
-    <p:sldId id="258" r:id="rId6"/>
-    <p:sldId id="271" r:id="rId7"/>
-    <p:sldId id="279" r:id="rId8"/>
-    <p:sldId id="267" r:id="rId9"/>
-    <p:sldId id="274" r:id="rId10"/>
-    <p:sldId id="280" r:id="rId11"/>
-    <p:sldId id="275" r:id="rId12"/>
-    <p:sldId id="268" r:id="rId13"/>
+    <p:sldId id="271" r:id="rId6"/>
+    <p:sldId id="279" r:id="rId7"/>
+    <p:sldId id="267" r:id="rId8"/>
+    <p:sldId id="274" r:id="rId9"/>
+    <p:sldId id="280" r:id="rId10"/>
+    <p:sldId id="275" r:id="rId11"/>
+    <p:sldId id="268" r:id="rId12"/>
   </p:sldIdLst>
   <p:sldSz cx="12192000" cy="6858000"/>
   <p:notesSz cx="6858000" cy="9144000"/>
@@ -903,24 +902,34 @@
           <a:bodyPr/>
           <a:lstStyle/>
           <a:p>
+            <a:endParaRPr lang="de-DE" dirty="0"/>
+          </a:p>
+          <a:p>
             <a:r>
               <a:rPr lang="de-DE" dirty="0"/>
-              <a:t>3060 Daten weil </a:t>
-            </a:r>
-            <a:r>
-              <a:rPr lang="de-DE" dirty="0" err="1"/>
-              <a:t>BlindTest</a:t>
-            </a:r>
+              <a:t>Überleitung:</a:t>
+            </a:r>
+          </a:p>
+          <a:p>
+            <a:r>
+              <a:rPr lang="de-DE"/>
+              <a:t>Daten bearbeiten</a:t>
+            </a:r>
+            <a:endParaRPr lang="de-DE" dirty="0"/>
+          </a:p>
+          <a:p>
             <a:r>
               <a:rPr lang="de-DE" dirty="0"/>
-              <a:t> Set </a:t>
+              <a:t>Split der Daten in Trainings-, Test- und versteckte Test-Daten</a:t>
             </a:r>
           </a:p>
           <a:p>
             <a:r>
               <a:rPr lang="de-DE" dirty="0"/>
-              <a:t>SVM hat zu lange auf unskalierten Daten gebraucht</a:t>
-            </a:r>
+              <a:t>Eventuell Skalieren der Daten (Welche haben wir verwendet?)</a:t>
+            </a:r>
+          </a:p>
+          <a:p>
             <a:endParaRPr lang="en-US" dirty="0"/>
           </a:p>
         </p:txBody>
@@ -942,7 +951,7 @@
           <a:p>
             <a:fld id="{1DB06F4E-288C-4437-BCAC-2BDBB0832B40}" type="slidenum">
               <a:rPr lang="en-US" smtClean="0"/>
-              <a:t>6</a:t>
+              <a:t>4</a:t>
             </a:fld>
             <a:endParaRPr lang="en-US"/>
           </a:p>
@@ -951,7 +960,7 @@
     </p:spTree>
     <p:extLst>
       <p:ext uri="{BB962C8B-B14F-4D97-AF65-F5344CB8AC3E}">
-        <p14:creationId xmlns:p14="http://schemas.microsoft.com/office/powerpoint/2010/main" val="812556749"/>
+        <p14:creationId xmlns:p14="http://schemas.microsoft.com/office/powerpoint/2010/main" val="3124809766"/>
       </p:ext>
     </p:extLst>
   </p:cSld>
@@ -1019,94 +1028,11 @@
             </a:r>
           </a:p>
           <a:p>
-            <a:pPr marL="0" marR="0" lvl="0" indent="0" algn="l" defTabSz="914400" rtl="0" eaLnBrk="1" fontAlgn="auto" latinLnBrk="0" hangingPunct="1">
-              <a:lnSpc>
-                <a:spcPct val="100000"/>
-              </a:lnSpc>
-              <a:spcBef>
-                <a:spcPts val="0"/>
-              </a:spcBef>
-              <a:spcAft>
-                <a:spcPts val="0"/>
-              </a:spcAft>
-              <a:buClrTx/>
-              <a:buSzTx/>
-              <a:buFontTx/>
-              <a:buNone/>
-              <a:tabLst/>
-              <a:defRPr/>
-            </a:pPr>
             <a:r>
               <a:rPr lang="de-DE" dirty="0"/>
-              <a:t>Skalierung Verwendet: </a:t>
-            </a:r>
-            <a:r>
-              <a:rPr lang="de-DE" dirty="0" err="1"/>
-              <a:t>StandardScaler</a:t>
-            </a:r>
-            <a:endParaRPr lang="de-DE" dirty="0"/>
-          </a:p>
-          <a:p>
-            <a:pPr marL="0" marR="0" lvl="0" indent="0" algn="l" defTabSz="914400" rtl="0" eaLnBrk="1" fontAlgn="auto" latinLnBrk="0" hangingPunct="1">
-              <a:lnSpc>
-                <a:spcPct val="100000"/>
-              </a:lnSpc>
-              <a:spcBef>
-                <a:spcPts val="0"/>
-              </a:spcBef>
-              <a:spcAft>
-                <a:spcPts val="0"/>
-              </a:spcAft>
-              <a:buClrTx/>
-              <a:buSzTx/>
-              <a:buFontTx/>
-              <a:buNone/>
-              <a:tabLst/>
-              <a:defRPr/>
-            </a:pPr>
-            <a:r>
-              <a:rPr lang="de-DE" dirty="0"/>
-              <a:t>Bei </a:t>
-            </a:r>
-            <a:r>
-              <a:rPr lang="de-DE" dirty="0" err="1"/>
-              <a:t>Decision</a:t>
-            </a:r>
-            <a:r>
-              <a:rPr lang="de-DE" dirty="0"/>
-              <a:t> </a:t>
-            </a:r>
-            <a:r>
-              <a:rPr lang="de-DE" dirty="0" err="1"/>
-              <a:t>Tree</a:t>
-            </a:r>
-            <a:r>
-              <a:rPr lang="de-DE" dirty="0"/>
-              <a:t>: Klasse 2 und 3 sehr oft zu Klasse 1 zugeordnet</a:t>
-            </a:r>
-          </a:p>
-          <a:p>
-            <a:pPr marL="0" marR="0" lvl="0" indent="0" algn="l" defTabSz="914400" rtl="0" eaLnBrk="1" fontAlgn="auto" latinLnBrk="0" hangingPunct="1">
-              <a:lnSpc>
-                <a:spcPct val="100000"/>
-              </a:lnSpc>
-              <a:spcBef>
-                <a:spcPts val="0"/>
-              </a:spcBef>
-              <a:spcAft>
-                <a:spcPts val="0"/>
-              </a:spcAft>
-              <a:buClrTx/>
-              <a:buSzTx/>
-              <a:buFontTx/>
-              <a:buNone/>
-              <a:tabLst/>
-              <a:defRPr/>
-            </a:pPr>
-            <a:endParaRPr lang="de-DE" dirty="0"/>
-          </a:p>
-          <a:p>
-            <a:endParaRPr lang="de-DE" dirty="0"/>
+              <a:t>SVM hat zu lange auf unskalierten Daten gebraucht</a:t>
+            </a:r>
+            <a:endParaRPr lang="en-US" dirty="0"/>
           </a:p>
         </p:txBody>
       </p:sp>
@@ -1127,7 +1053,7 @@
           <a:p>
             <a:fld id="{1DB06F4E-288C-4437-BCAC-2BDBB0832B40}" type="slidenum">
               <a:rPr lang="en-US" smtClean="0"/>
-              <a:t>7</a:t>
+              <a:t>5</a:t>
             </a:fld>
             <a:endParaRPr lang="en-US"/>
           </a:p>
@@ -1136,7 +1062,7 @@
     </p:spTree>
     <p:extLst>
       <p:ext uri="{BB962C8B-B14F-4D97-AF65-F5344CB8AC3E}">
-        <p14:creationId xmlns:p14="http://schemas.microsoft.com/office/powerpoint/2010/main" val="2497466459"/>
+        <p14:creationId xmlns:p14="http://schemas.microsoft.com/office/powerpoint/2010/main" val="812556749"/>
       </p:ext>
     </p:extLst>
   </p:cSld>
@@ -1267,15 +1193,7 @@
             </a:r>
             <a:r>
               <a:rPr lang="de-DE" dirty="0"/>
-              <a:t>: </a:t>
-            </a:r>
-            <a:r>
-              <a:rPr lang="de-DE" dirty="0" err="1"/>
-              <a:t>Threshod</a:t>
-            </a:r>
-            <a:r>
-              <a:rPr lang="de-DE" dirty="0"/>
-              <a:t> 0,005</a:t>
+              <a:t>: Klasse 2 und 3 sehr oft zu Klasse 1 zugeordnet</a:t>
             </a:r>
           </a:p>
           <a:p>
@@ -1296,14 +1214,7 @@
               <a:tabLst/>
               <a:defRPr/>
             </a:pPr>
-            <a:r>
-              <a:rPr lang="de-DE" dirty="0" err="1"/>
-              <a:t>RandomForest</a:t>
-            </a:r>
-            <a:r>
-              <a:rPr lang="de-DE" dirty="0"/>
-              <a:t> Threshold 0,001</a:t>
-            </a:r>
+            <a:endParaRPr lang="de-DE" dirty="0"/>
           </a:p>
           <a:p>
             <a:endParaRPr lang="de-DE" dirty="0"/>
@@ -1327,7 +1238,7 @@
           <a:p>
             <a:fld id="{1DB06F4E-288C-4437-BCAC-2BDBB0832B40}" type="slidenum">
               <a:rPr lang="en-US" smtClean="0"/>
-              <a:t>10</a:t>
+              <a:t>6</a:t>
             </a:fld>
             <a:endParaRPr lang="en-US"/>
           </a:p>
@@ -1336,7 +1247,7 @@
     </p:spTree>
     <p:extLst>
       <p:ext uri="{BB962C8B-B14F-4D97-AF65-F5344CB8AC3E}">
-        <p14:creationId xmlns:p14="http://schemas.microsoft.com/office/powerpoint/2010/main" val="3483041738"/>
+        <p14:creationId xmlns:p14="http://schemas.microsoft.com/office/powerpoint/2010/main" val="2497466459"/>
       </p:ext>
     </p:extLst>
   </p:cSld>
@@ -1391,23 +1302,121 @@
           <a:lstStyle/>
           <a:p>
             <a:r>
+              <a:rPr lang="de-DE" dirty="0"/>
+              <a:t>3060 Daten weil </a:t>
+            </a:r>
+            <a:r>
               <a:rPr lang="de-DE" dirty="0" err="1"/>
-              <a:t>StandardScaled</a:t>
+              <a:t>BlindTest</a:t>
+            </a:r>
+            <a:r>
+              <a:rPr lang="de-DE" dirty="0"/>
+              <a:t> Set </a:t>
+            </a:r>
+          </a:p>
+          <a:p>
+            <a:pPr marL="0" marR="0" lvl="0" indent="0" algn="l" defTabSz="914400" rtl="0" eaLnBrk="1" fontAlgn="auto" latinLnBrk="0" hangingPunct="1">
+              <a:lnSpc>
+                <a:spcPct val="100000"/>
+              </a:lnSpc>
+              <a:spcBef>
+                <a:spcPts val="0"/>
+              </a:spcBef>
+              <a:spcAft>
+                <a:spcPts val="0"/>
+              </a:spcAft>
+              <a:buClrTx/>
+              <a:buSzTx/>
+              <a:buFontTx/>
+              <a:buNone/>
+              <a:tabLst/>
+              <a:defRPr/>
+            </a:pPr>
+            <a:r>
+              <a:rPr lang="de-DE" dirty="0"/>
+              <a:t>Skalierung Verwendet: </a:t>
+            </a:r>
+            <a:r>
+              <a:rPr lang="de-DE" dirty="0" err="1"/>
+              <a:t>StandardScaler</a:t>
             </a:r>
             <a:endParaRPr lang="de-DE" dirty="0"/>
           </a:p>
           <a:p>
+            <a:pPr marL="0" marR="0" lvl="0" indent="0" algn="l" defTabSz="914400" rtl="0" eaLnBrk="1" fontAlgn="auto" latinLnBrk="0" hangingPunct="1">
+              <a:lnSpc>
+                <a:spcPct val="100000"/>
+              </a:lnSpc>
+              <a:spcBef>
+                <a:spcPts val="0"/>
+              </a:spcBef>
+              <a:spcAft>
+                <a:spcPts val="0"/>
+              </a:spcAft>
+              <a:buClrTx/>
+              <a:buSzTx/>
+              <a:buFontTx/>
+              <a:buNone/>
+              <a:tabLst/>
+              <a:defRPr/>
+            </a:pPr>
+            <a:r>
+              <a:rPr lang="de-DE" dirty="0"/>
+              <a:t>Bei </a:t>
+            </a:r>
             <a:r>
               <a:rPr lang="de-DE" dirty="0" err="1"/>
-              <a:t>MLPClassifier</a:t>
-            </a:r>
-            <a:endParaRPr lang="de-DE" dirty="0"/>
-          </a:p>
-          <a:p>
+              <a:t>Decision</a:t>
+            </a:r>
+            <a:r>
+              <a:rPr lang="de-DE" dirty="0"/>
+              <a:t> </a:t>
+            </a:r>
             <a:r>
               <a:rPr lang="de-DE" dirty="0" err="1"/>
-              <a:t>LiveDemo</a:t>
-            </a:r>
+              <a:t>Tree</a:t>
+            </a:r>
+            <a:r>
+              <a:rPr lang="de-DE" dirty="0"/>
+              <a:t>: </a:t>
+            </a:r>
+            <a:r>
+              <a:rPr lang="de-DE" dirty="0" err="1"/>
+              <a:t>Threshod</a:t>
+            </a:r>
+            <a:r>
+              <a:rPr lang="de-DE" dirty="0"/>
+              <a:t> 0,005</a:t>
+            </a:r>
+          </a:p>
+          <a:p>
+            <a:pPr marL="0" marR="0" lvl="0" indent="0" algn="l" defTabSz="914400" rtl="0" eaLnBrk="1" fontAlgn="auto" latinLnBrk="0" hangingPunct="1">
+              <a:lnSpc>
+                <a:spcPct val="100000"/>
+              </a:lnSpc>
+              <a:spcBef>
+                <a:spcPts val="0"/>
+              </a:spcBef>
+              <a:spcAft>
+                <a:spcPts val="0"/>
+              </a:spcAft>
+              <a:buClrTx/>
+              <a:buSzTx/>
+              <a:buFontTx/>
+              <a:buNone/>
+              <a:tabLst/>
+              <a:defRPr/>
+            </a:pPr>
+            <a:r>
+              <a:rPr lang="de-DE" dirty="0" err="1"/>
+              <a:t>RandomForest</a:t>
+            </a:r>
+            <a:r>
+              <a:rPr lang="de-DE" dirty="0"/>
+              <a:t> Threshold 0,001</a:t>
+            </a:r>
+          </a:p>
+          <a:p>
             <a:endParaRPr lang="de-DE" dirty="0"/>
           </a:p>
         </p:txBody>
@@ -1429,7 +1438,109 @@
           <a:p>
             <a:fld id="{1DB06F4E-288C-4437-BCAC-2BDBB0832B40}" type="slidenum">
               <a:rPr lang="en-US" smtClean="0"/>
-              <a:t>11</a:t>
+              <a:t>9</a:t>
+            </a:fld>
+            <a:endParaRPr lang="en-US"/>
+          </a:p>
+        </p:txBody>
+      </p:sp>
+    </p:spTree>
+    <p:extLst>
+      <p:ext uri="{BB962C8B-B14F-4D97-AF65-F5344CB8AC3E}">
+        <p14:creationId xmlns:p14="http://schemas.microsoft.com/office/powerpoint/2010/main" val="3483041738"/>
+      </p:ext>
+    </p:extLst>
+  </p:cSld>
+  <p:clrMapOvr>
+    <a:masterClrMapping/>
+  </p:clrMapOvr>
+</p:notes>
+</file>
+
+<file path=ppt/notesSlides/notesSlide7.xml><?xml version="1.0" encoding="utf-8"?>
+<p:notes xmlns:a="http://schemas.openxmlformats.org/drawingml/2006/main" xmlns:r="http://schemas.openxmlformats.org/officeDocument/2006/relationships" xmlns:p="http://schemas.openxmlformats.org/presentationml/2006/main">
+  <p:cSld>
+    <p:spTree>
+      <p:nvGrpSpPr>
+        <p:cNvPr id="1" name=""/>
+        <p:cNvGrpSpPr/>
+        <p:nvPr/>
+      </p:nvGrpSpPr>
+      <p:grpSpPr>
+        <a:xfrm>
+          <a:off x="0" y="0"/>
+          <a:ext cx="0" cy="0"/>
+          <a:chOff x="0" y="0"/>
+          <a:chExt cx="0" cy="0"/>
+        </a:xfrm>
+      </p:grpSpPr>
+      <p:sp>
+        <p:nvSpPr>
+          <p:cNvPr id="2" name="Folienbildplatzhalter 1"/>
+          <p:cNvSpPr>
+            <a:spLocks noGrp="1" noRot="1" noChangeAspect="1"/>
+          </p:cNvSpPr>
+          <p:nvPr>
+            <p:ph type="sldImg"/>
+          </p:nvPr>
+        </p:nvSpPr>
+        <p:spPr/>
+      </p:sp>
+      <p:sp>
+        <p:nvSpPr>
+          <p:cNvPr id="3" name="Notizenplatzhalter 2"/>
+          <p:cNvSpPr>
+            <a:spLocks noGrp="1"/>
+          </p:cNvSpPr>
+          <p:nvPr>
+            <p:ph type="body" idx="1"/>
+          </p:nvPr>
+        </p:nvSpPr>
+        <p:spPr/>
+        <p:txBody>
+          <a:bodyPr/>
+          <a:lstStyle/>
+          <a:p>
+            <a:r>
+              <a:rPr lang="de-DE" dirty="0" err="1"/>
+              <a:t>StandardScaled</a:t>
+            </a:r>
+            <a:endParaRPr lang="de-DE" dirty="0"/>
+          </a:p>
+          <a:p>
+            <a:r>
+              <a:rPr lang="de-DE" dirty="0" err="1"/>
+              <a:t>MLPClassifier</a:t>
+            </a:r>
+            <a:endParaRPr lang="de-DE" dirty="0"/>
+          </a:p>
+          <a:p>
+            <a:r>
+              <a:rPr lang="de-DE" dirty="0" err="1"/>
+              <a:t>LiveDemo</a:t>
+            </a:r>
+            <a:endParaRPr lang="de-DE" dirty="0"/>
+          </a:p>
+        </p:txBody>
+      </p:sp>
+      <p:sp>
+        <p:nvSpPr>
+          <p:cNvPr id="4" name="Foliennummernplatzhalter 3"/>
+          <p:cNvSpPr>
+            <a:spLocks noGrp="1"/>
+          </p:cNvSpPr>
+          <p:nvPr>
+            <p:ph type="sldNum" sz="quarter" idx="5"/>
+          </p:nvPr>
+        </p:nvSpPr>
+        <p:spPr/>
+        <p:txBody>
+          <a:bodyPr/>
+          <a:lstStyle/>
+          <a:p>
+            <a:fld id="{1DB06F4E-288C-4437-BCAC-2BDBB0832B40}" type="slidenum">
+              <a:rPr lang="en-US" smtClean="0"/>
+              <a:t>10</a:t>
             </a:fld>
             <a:endParaRPr lang="en-US"/>
           </a:p>
@@ -4684,613 +4795,6 @@
         </p:nvSpPr>
         <p:spPr/>
         <p:txBody>
-          <a:bodyPr>
-            <a:normAutofit/>
-          </a:bodyPr>
-          <a:lstStyle/>
-          <a:p>
-            <a:r>
-              <a:rPr lang="de-DE" dirty="0"/>
-              <a:t>Vergleich der Modelle bei 33% Trainings-Daten</a:t>
-            </a:r>
-          </a:p>
-        </p:txBody>
-      </p:sp>
-      <p:graphicFrame>
-        <p:nvGraphicFramePr>
-          <p:cNvPr id="5" name="Tabelle 5">
-            <a:extLst>
-              <a:ext uri="{FF2B5EF4-FFF2-40B4-BE49-F238E27FC236}">
-                <a16:creationId xmlns:a16="http://schemas.microsoft.com/office/drawing/2014/main" id="{E968F7A2-98F8-411D-ACBA-2C8F09A520D1}"/>
-              </a:ext>
-            </a:extLst>
-          </p:cNvPr>
-          <p:cNvGraphicFramePr>
-            <a:graphicFrameLocks noGrp="1"/>
-          </p:cNvGraphicFramePr>
-          <p:nvPr>
-            <p:ph idx="1"/>
-            <p:extLst>
-              <p:ext uri="{D42A27DB-BD31-4B8C-83A1-F6EECF244321}">
-                <p14:modId xmlns:p14="http://schemas.microsoft.com/office/powerpoint/2010/main" val="1214915105"/>
-              </p:ext>
-            </p:extLst>
-          </p:nvPr>
-        </p:nvGraphicFramePr>
-        <p:xfrm>
-          <a:off x="838200" y="1825625"/>
-          <a:ext cx="10515600" cy="1112520"/>
-        </p:xfrm>
-        <a:graphic>
-          <a:graphicData uri="http://schemas.openxmlformats.org/drawingml/2006/table">
-            <a:tbl>
-              <a:tblPr firstRow="1" bandRow="1">
-                <a:tableStyleId>{D7AC3CCA-C797-4891-BE02-D94E43425B78}</a:tableStyleId>
-              </a:tblPr>
-              <a:tblGrid>
-                <a:gridCol w="1772392">
-                  <a:extLst>
-                    <a:ext uri="{9D8B030D-6E8A-4147-A177-3AD203B41FA5}">
-                      <a16:colId xmlns:a16="http://schemas.microsoft.com/office/drawing/2014/main" val="1616580921"/>
-                    </a:ext>
-                  </a:extLst>
-                </a:gridCol>
-                <a:gridCol w="1579418">
-                  <a:extLst>
-                    <a:ext uri="{9D8B030D-6E8A-4147-A177-3AD203B41FA5}">
-                      <a16:colId xmlns:a16="http://schemas.microsoft.com/office/drawing/2014/main" val="262472058"/>
-                    </a:ext>
-                  </a:extLst>
-                </a:gridCol>
-                <a:gridCol w="2126707">
-                  <a:extLst>
-                    <a:ext uri="{9D8B030D-6E8A-4147-A177-3AD203B41FA5}">
-                      <a16:colId xmlns:a16="http://schemas.microsoft.com/office/drawing/2014/main" val="934201785"/>
-                    </a:ext>
-                  </a:extLst>
-                </a:gridCol>
-                <a:gridCol w="1240221">
-                  <a:extLst>
-                    <a:ext uri="{9D8B030D-6E8A-4147-A177-3AD203B41FA5}">
-                      <a16:colId xmlns:a16="http://schemas.microsoft.com/office/drawing/2014/main" val="3629991919"/>
-                    </a:ext>
-                  </a:extLst>
-                </a:gridCol>
-                <a:gridCol w="1271752">
-                  <a:extLst>
-                    <a:ext uri="{9D8B030D-6E8A-4147-A177-3AD203B41FA5}">
-                      <a16:colId xmlns:a16="http://schemas.microsoft.com/office/drawing/2014/main" val="3347650153"/>
-                    </a:ext>
-                  </a:extLst>
-                </a:gridCol>
-                <a:gridCol w="1370235">
-                  <a:extLst>
-                    <a:ext uri="{9D8B030D-6E8A-4147-A177-3AD203B41FA5}">
-                      <a16:colId xmlns:a16="http://schemas.microsoft.com/office/drawing/2014/main" val="3262467614"/>
-                    </a:ext>
-                  </a:extLst>
-                </a:gridCol>
-                <a:gridCol w="1154875">
-                  <a:extLst>
-                    <a:ext uri="{9D8B030D-6E8A-4147-A177-3AD203B41FA5}">
-                      <a16:colId xmlns:a16="http://schemas.microsoft.com/office/drawing/2014/main" val="1654754351"/>
-                    </a:ext>
-                  </a:extLst>
-                </a:gridCol>
-              </a:tblGrid>
-              <a:tr h="370840">
-                <a:tc>
-                  <a:txBody>
-                    <a:bodyPr/>
-                    <a:lstStyle/>
-                    <a:p>
-                      <a:r>
-                        <a:rPr lang="de-DE" dirty="0"/>
-                        <a:t>Model</a:t>
-                      </a:r>
-                      <a:endParaRPr lang="en-US" dirty="0"/>
-                    </a:p>
-                  </a:txBody>
-                  <a:tcPr/>
-                </a:tc>
-                <a:tc>
-                  <a:txBody>
-                    <a:bodyPr/>
-                    <a:lstStyle/>
-                    <a:p>
-                      <a:r>
-                        <a:rPr lang="de-DE" dirty="0"/>
-                        <a:t>Genauigkeit</a:t>
-                      </a:r>
-                      <a:endParaRPr lang="en-US" dirty="0"/>
-                    </a:p>
-                  </a:txBody>
-                  <a:tcPr/>
-                </a:tc>
-                <a:tc>
-                  <a:txBody>
-                    <a:bodyPr/>
-                    <a:lstStyle/>
-                    <a:p>
-                      <a:r>
-                        <a:rPr lang="de-DE" dirty="0"/>
-                        <a:t>Features verwendet</a:t>
-                      </a:r>
-                      <a:endParaRPr lang="en-US" dirty="0"/>
-                    </a:p>
-                  </a:txBody>
-                  <a:tcPr/>
-                </a:tc>
-                <a:tc>
-                  <a:txBody>
-                    <a:bodyPr/>
-                    <a:lstStyle/>
-                    <a:p>
-                      <a:r>
-                        <a:rPr lang="de-DE" dirty="0"/>
-                        <a:t>Klasse 1</a:t>
-                      </a:r>
-                      <a:endParaRPr lang="en-US" dirty="0"/>
-                    </a:p>
-                  </a:txBody>
-                  <a:tcPr/>
-                </a:tc>
-                <a:tc>
-                  <a:txBody>
-                    <a:bodyPr/>
-                    <a:lstStyle/>
-                    <a:p>
-                      <a:r>
-                        <a:rPr lang="de-DE" dirty="0"/>
-                        <a:t>Klasse 2</a:t>
-                      </a:r>
-                      <a:endParaRPr lang="en-US" dirty="0"/>
-                    </a:p>
-                  </a:txBody>
-                  <a:tcPr/>
-                </a:tc>
-                <a:tc>
-                  <a:txBody>
-                    <a:bodyPr/>
-                    <a:lstStyle/>
-                    <a:p>
-                      <a:r>
-                        <a:rPr lang="de-DE" dirty="0"/>
-                        <a:t>Klasse 3</a:t>
-                      </a:r>
-                      <a:endParaRPr lang="en-US" dirty="0"/>
-                    </a:p>
-                  </a:txBody>
-                  <a:tcPr/>
-                </a:tc>
-                <a:tc>
-                  <a:txBody>
-                    <a:bodyPr/>
-                    <a:lstStyle/>
-                    <a:p>
-                      <a:r>
-                        <a:rPr lang="de-DE" dirty="0"/>
-                        <a:t>Klasse 4</a:t>
-                      </a:r>
-                      <a:endParaRPr lang="en-US" dirty="0"/>
-                    </a:p>
-                  </a:txBody>
-                  <a:tcPr/>
-                </a:tc>
-                <a:extLst>
-                  <a:ext uri="{0D108BD9-81ED-4DB2-BD59-A6C34878D82A}">
-                    <a16:rowId xmlns:a16="http://schemas.microsoft.com/office/drawing/2014/main" val="307650023"/>
-                  </a:ext>
-                </a:extLst>
-              </a:tr>
-              <a:tr h="370840">
-                <a:tc>
-                  <a:txBody>
-                    <a:bodyPr/>
-                    <a:lstStyle/>
-                    <a:p>
-                      <a:r>
-                        <a:rPr lang="de-DE" dirty="0" err="1"/>
-                        <a:t>RandomForest</a:t>
-                      </a:r>
-                      <a:endParaRPr lang="de-DE" dirty="0"/>
-                    </a:p>
-                  </a:txBody>
-                  <a:tcPr/>
-                </a:tc>
-                <a:tc>
-                  <a:txBody>
-                    <a:bodyPr/>
-                    <a:lstStyle/>
-                    <a:p>
-                      <a:r>
-                        <a:rPr lang="de-DE" dirty="0"/>
-                        <a:t>0,99</a:t>
-                      </a:r>
-                      <a:endParaRPr lang="en-US" dirty="0"/>
-                    </a:p>
-                  </a:txBody>
-                  <a:tcPr/>
-                </a:tc>
-                <a:tc>
-                  <a:txBody>
-                    <a:bodyPr/>
-                    <a:lstStyle/>
-                    <a:p>
-                      <a:r>
-                        <a:rPr lang="de-DE" dirty="0"/>
-                        <a:t>257</a:t>
-                      </a:r>
-                      <a:endParaRPr lang="en-US" dirty="0"/>
-                    </a:p>
-                  </a:txBody>
-                  <a:tcPr/>
-                </a:tc>
-                <a:tc>
-                  <a:txBody>
-                    <a:bodyPr/>
-                    <a:lstStyle/>
-                    <a:p>
-                      <a:r>
-                        <a:rPr lang="de-DE" dirty="0"/>
-                        <a:t>1</a:t>
-                      </a:r>
-                      <a:endParaRPr lang="en-US" dirty="0"/>
-                    </a:p>
-                  </a:txBody>
-                  <a:tcPr/>
-                </a:tc>
-                <a:tc>
-                  <a:txBody>
-                    <a:bodyPr/>
-                    <a:lstStyle/>
-                    <a:p>
-                      <a:r>
-                        <a:rPr lang="de-DE" dirty="0"/>
-                        <a:t>0,99</a:t>
-                      </a:r>
-                      <a:endParaRPr lang="en-US" dirty="0"/>
-                    </a:p>
-                  </a:txBody>
-                  <a:tcPr/>
-                </a:tc>
-                <a:tc>
-                  <a:txBody>
-                    <a:bodyPr/>
-                    <a:lstStyle/>
-                    <a:p>
-                      <a:r>
-                        <a:rPr lang="de-DE" dirty="0"/>
-                        <a:t>0,98</a:t>
-                      </a:r>
-                      <a:endParaRPr lang="en-US" dirty="0"/>
-                    </a:p>
-                  </a:txBody>
-                  <a:tcPr/>
-                </a:tc>
-                <a:tc>
-                  <a:txBody>
-                    <a:bodyPr/>
-                    <a:lstStyle/>
-                    <a:p>
-                      <a:r>
-                        <a:rPr lang="de-DE" dirty="0"/>
-                        <a:t>1</a:t>
-                      </a:r>
-                      <a:endParaRPr lang="en-US" dirty="0"/>
-                    </a:p>
-                  </a:txBody>
-                  <a:tcPr/>
-                </a:tc>
-                <a:extLst>
-                  <a:ext uri="{0D108BD9-81ED-4DB2-BD59-A6C34878D82A}">
-                    <a16:rowId xmlns:a16="http://schemas.microsoft.com/office/drawing/2014/main" val="3217940233"/>
-                  </a:ext>
-                </a:extLst>
-              </a:tr>
-              <a:tr h="370840">
-                <a:tc>
-                  <a:txBody>
-                    <a:bodyPr/>
-                    <a:lstStyle/>
-                    <a:p>
-                      <a:r>
-                        <a:rPr lang="de-DE" dirty="0" err="1"/>
-                        <a:t>DecisionTree</a:t>
-                      </a:r>
-                      <a:endParaRPr lang="de-DE" dirty="0"/>
-                    </a:p>
-                  </a:txBody>
-                  <a:tcPr/>
-                </a:tc>
-                <a:tc>
-                  <a:txBody>
-                    <a:bodyPr/>
-                    <a:lstStyle/>
-                    <a:p>
-                      <a:r>
-                        <a:rPr lang="de-DE" dirty="0"/>
-                        <a:t>0,94</a:t>
-                      </a:r>
-                      <a:endParaRPr lang="en-US" dirty="0"/>
-                    </a:p>
-                  </a:txBody>
-                  <a:tcPr/>
-                </a:tc>
-                <a:tc>
-                  <a:txBody>
-                    <a:bodyPr/>
-                    <a:lstStyle/>
-                    <a:p>
-                      <a:r>
-                        <a:rPr lang="de-DE" dirty="0"/>
-                        <a:t>37</a:t>
-                      </a:r>
-                      <a:endParaRPr lang="en-US" dirty="0"/>
-                    </a:p>
-                  </a:txBody>
-                  <a:tcPr/>
-                </a:tc>
-                <a:tc>
-                  <a:txBody>
-                    <a:bodyPr/>
-                    <a:lstStyle/>
-                    <a:p>
-                      <a:r>
-                        <a:rPr lang="de-DE" dirty="0"/>
-                        <a:t>0,98</a:t>
-                      </a:r>
-                      <a:endParaRPr lang="en-US" dirty="0"/>
-                    </a:p>
-                  </a:txBody>
-                  <a:tcPr/>
-                </a:tc>
-                <a:tc>
-                  <a:txBody>
-                    <a:bodyPr/>
-                    <a:lstStyle/>
-                    <a:p>
-                      <a:r>
-                        <a:rPr lang="de-DE" dirty="0"/>
-                        <a:t>0,94</a:t>
-                      </a:r>
-                      <a:endParaRPr lang="en-US" dirty="0"/>
-                    </a:p>
-                  </a:txBody>
-                  <a:tcPr/>
-                </a:tc>
-                <a:tc>
-                  <a:txBody>
-                    <a:bodyPr/>
-                    <a:lstStyle/>
-                    <a:p>
-                      <a:r>
-                        <a:rPr lang="de-DE" dirty="0"/>
-                        <a:t>0,86</a:t>
-                      </a:r>
-                      <a:endParaRPr lang="en-US" dirty="0"/>
-                    </a:p>
-                  </a:txBody>
-                  <a:tcPr/>
-                </a:tc>
-                <a:tc>
-                  <a:txBody>
-                    <a:bodyPr/>
-                    <a:lstStyle/>
-                    <a:p>
-                      <a:r>
-                        <a:rPr lang="de-DE" dirty="0"/>
-                        <a:t>1</a:t>
-                      </a:r>
-                      <a:endParaRPr lang="en-US" dirty="0"/>
-                    </a:p>
-                  </a:txBody>
-                  <a:tcPr/>
-                </a:tc>
-                <a:extLst>
-                  <a:ext uri="{0D108BD9-81ED-4DB2-BD59-A6C34878D82A}">
-                    <a16:rowId xmlns:a16="http://schemas.microsoft.com/office/drawing/2014/main" val="3546736646"/>
-                  </a:ext>
-                </a:extLst>
-              </a:tr>
-            </a:tbl>
-          </a:graphicData>
-        </a:graphic>
-      </p:graphicFrame>
-      <p:sp>
-        <p:nvSpPr>
-          <p:cNvPr id="6" name="Textfeld 5">
-            <a:extLst>
-              <a:ext uri="{FF2B5EF4-FFF2-40B4-BE49-F238E27FC236}">
-                <a16:creationId xmlns:a16="http://schemas.microsoft.com/office/drawing/2014/main" id="{E7326FE5-38FE-4219-95CA-515D14650636}"/>
-              </a:ext>
-            </a:extLst>
-          </p:cNvPr>
-          <p:cNvSpPr txBox="1"/>
-          <p:nvPr/>
-        </p:nvSpPr>
-        <p:spPr>
-          <a:xfrm>
-            <a:off x="838200" y="3429000"/>
-            <a:ext cx="10515600" cy="369332"/>
-          </a:xfrm>
-          <a:prstGeom prst="rect">
-            <a:avLst/>
-          </a:prstGeom>
-          <a:noFill/>
-        </p:spPr>
-        <p:txBody>
-          <a:bodyPr wrap="square" rtlCol="0">
-            <a:spAutoFit/>
-          </a:bodyPr>
-          <a:lstStyle/>
-          <a:p>
-            <a:r>
-              <a:rPr lang="de-DE" dirty="0"/>
-              <a:t>-&gt; Klasse 1 und 4 werden sehr gut erkannt</a:t>
-            </a:r>
-            <a:endParaRPr lang="en-US" dirty="0"/>
-          </a:p>
-        </p:txBody>
-      </p:sp>
-      <p:sp>
-        <p:nvSpPr>
-          <p:cNvPr id="9" name="Textfeld 8">
-            <a:extLst>
-              <a:ext uri="{FF2B5EF4-FFF2-40B4-BE49-F238E27FC236}">
-                <a16:creationId xmlns:a16="http://schemas.microsoft.com/office/drawing/2014/main" id="{0FC11959-52D8-4CE6-8B88-4B7A48386F23}"/>
-              </a:ext>
-            </a:extLst>
-          </p:cNvPr>
-          <p:cNvSpPr txBox="1"/>
-          <p:nvPr/>
-        </p:nvSpPr>
-        <p:spPr>
-          <a:xfrm>
-            <a:off x="244366" y="6488668"/>
-            <a:ext cx="10515600" cy="338554"/>
-          </a:xfrm>
-          <a:prstGeom prst="rect">
-            <a:avLst/>
-          </a:prstGeom>
-          <a:noFill/>
-        </p:spPr>
-        <p:txBody>
-          <a:bodyPr wrap="square" rtlCol="0">
-            <a:spAutoFit/>
-          </a:bodyPr>
-          <a:lstStyle/>
-          <a:p>
-            <a:r>
-              <a:rPr lang="de-DE" sz="1600" dirty="0"/>
-              <a:t>* Von 3060 Daten, unskaliert und alle Features bei 100 </a:t>
-            </a:r>
-            <a:r>
-              <a:rPr lang="de-DE" sz="1600" dirty="0" err="1"/>
-              <a:t>Folds</a:t>
-            </a:r>
-            <a:endParaRPr lang="en-US" sz="1600" dirty="0"/>
-          </a:p>
-        </p:txBody>
-      </p:sp>
-    </p:spTree>
-    <p:extLst>
-      <p:ext uri="{BB962C8B-B14F-4D97-AF65-F5344CB8AC3E}">
-        <p14:creationId xmlns:p14="http://schemas.microsoft.com/office/powerpoint/2010/main" val="591963584"/>
-      </p:ext>
-    </p:extLst>
-  </p:cSld>
-  <p:clrMapOvr>
-    <a:masterClrMapping/>
-  </p:clrMapOvr>
-</p:sld>
-</file>
-
-<file path=ppt/slides/slide11.xml><?xml version="1.0" encoding="utf-8"?>
-<p:sld xmlns:a="http://schemas.openxmlformats.org/drawingml/2006/main" xmlns:r="http://schemas.openxmlformats.org/officeDocument/2006/relationships" xmlns:p="http://schemas.openxmlformats.org/presentationml/2006/main">
-  <p:cSld>
-    <p:spTree>
-      <p:nvGrpSpPr>
-        <p:cNvPr id="1" name=""/>
-        <p:cNvGrpSpPr/>
-        <p:nvPr/>
-      </p:nvGrpSpPr>
-      <p:grpSpPr>
-        <a:xfrm>
-          <a:off x="0" y="0"/>
-          <a:ext cx="0" cy="0"/>
-          <a:chOff x="0" y="0"/>
-          <a:chExt cx="0" cy="0"/>
-        </a:xfrm>
-      </p:grpSpPr>
-      <p:sp>
-        <p:nvSpPr>
-          <p:cNvPr id="4" name="Rechteck 3">
-            <a:extLst>
-              <a:ext uri="{FF2B5EF4-FFF2-40B4-BE49-F238E27FC236}">
-                <a16:creationId xmlns:a16="http://schemas.microsoft.com/office/drawing/2014/main" id="{F6C138DD-D569-4A13-8F5A-AD9B7C9D0C6A}"/>
-              </a:ext>
-            </a:extLst>
-          </p:cNvPr>
-          <p:cNvSpPr/>
-          <p:nvPr/>
-        </p:nvSpPr>
-        <p:spPr>
-          <a:xfrm>
-            <a:off x="0" y="0"/>
-            <a:ext cx="12192000" cy="7139101"/>
-          </a:xfrm>
-          <a:prstGeom prst="rect">
-            <a:avLst/>
-          </a:prstGeom>
-          <a:gradFill flip="none" rotWithShape="1">
-            <a:gsLst>
-              <a:gs pos="100000">
-                <a:schemeClr val="accent3">
-                  <a:lumMod val="67000"/>
-                  <a:alpha val="46000"/>
-                </a:schemeClr>
-              </a:gs>
-              <a:gs pos="41000">
-                <a:schemeClr val="bg1">
-                  <a:lumMod val="85000"/>
-                  <a:alpha val="96000"/>
-                </a:schemeClr>
-              </a:gs>
-              <a:gs pos="0">
-                <a:schemeClr val="bg1"/>
-              </a:gs>
-            </a:gsLst>
-            <a:lin ang="16200000" scaled="1"/>
-            <a:tileRect/>
-          </a:gradFill>
-          <a:ln>
-            <a:noFill/>
-          </a:ln>
-        </p:spPr>
-        <p:style>
-          <a:lnRef idx="2">
-            <a:schemeClr val="accent1">
-              <a:shade val="50000"/>
-            </a:schemeClr>
-          </a:lnRef>
-          <a:fillRef idx="1">
-            <a:schemeClr val="accent1"/>
-          </a:fillRef>
-          <a:effectRef idx="0">
-            <a:schemeClr val="accent1"/>
-          </a:effectRef>
-          <a:fontRef idx="minor">
-            <a:schemeClr val="lt1"/>
-          </a:fontRef>
-        </p:style>
-        <p:txBody>
-          <a:bodyPr rtlCol="0" anchor="ctr"/>
-          <a:lstStyle/>
-          <a:p>
-            <a:pPr algn="ctr"/>
-            <a:endParaRPr lang="en-US"/>
-          </a:p>
-        </p:txBody>
-      </p:sp>
-      <p:sp>
-        <p:nvSpPr>
-          <p:cNvPr id="2" name="Titel 1">
-            <a:extLst>
-              <a:ext uri="{FF2B5EF4-FFF2-40B4-BE49-F238E27FC236}">
-                <a16:creationId xmlns:a16="http://schemas.microsoft.com/office/drawing/2014/main" id="{BBDC4704-C9C5-4AB0-8EFD-4C5BA2136C1F}"/>
-              </a:ext>
-            </a:extLst>
-          </p:cNvPr>
-          <p:cNvSpPr>
-            <a:spLocks noGrp="1"/>
-          </p:cNvSpPr>
-          <p:nvPr>
-            <p:ph type="title"/>
-          </p:nvPr>
-        </p:nvSpPr>
-        <p:spPr/>
-        <p:txBody>
           <a:bodyPr/>
           <a:lstStyle/>
           <a:p>
@@ -7544,7 +7048,7 @@
 </p:sld>
 </file>
 
-<file path=ppt/slides/slide12.xml><?xml version="1.0" encoding="utf-8"?>
+<file path=ppt/slides/slide11.xml><?xml version="1.0" encoding="utf-8"?>
 <p:sld xmlns:a="http://schemas.openxmlformats.org/drawingml/2006/main" xmlns:r="http://schemas.openxmlformats.org/officeDocument/2006/relationships" xmlns:p="http://schemas.openxmlformats.org/presentationml/2006/main">
   <p:cSld>
     <p:spTree>
@@ -8788,7 +8292,7 @@
           </p:nvPr>
         </p:nvPicPr>
         <p:blipFill>
-          <a:blip r:embed="rId2">
+          <a:blip r:embed="rId3">
             <a:extLst>
               <a:ext uri="{28A0092B-C50C-407E-A947-70E740481C1C}">
                 <a14:useLocalDpi xmlns:a14="http://schemas.microsoft.com/office/drawing/2010/main" val="0"/>
@@ -8889,168 +8393,6 @@
 </file>
 
 <file path=ppt/slides/slide5.xml><?xml version="1.0" encoding="utf-8"?>
-<p:sld xmlns:a="http://schemas.openxmlformats.org/drawingml/2006/main" xmlns:r="http://schemas.openxmlformats.org/officeDocument/2006/relationships" xmlns:p="http://schemas.openxmlformats.org/presentationml/2006/main">
-  <p:cSld>
-    <p:spTree>
-      <p:nvGrpSpPr>
-        <p:cNvPr id="1" name=""/>
-        <p:cNvGrpSpPr/>
-        <p:nvPr/>
-      </p:nvGrpSpPr>
-      <p:grpSpPr>
-        <a:xfrm>
-          <a:off x="0" y="0"/>
-          <a:ext cx="0" cy="0"/>
-          <a:chOff x="0" y="0"/>
-          <a:chExt cx="0" cy="0"/>
-        </a:xfrm>
-      </p:grpSpPr>
-      <p:sp>
-        <p:nvSpPr>
-          <p:cNvPr id="4" name="Rechteck 3">
-            <a:extLst>
-              <a:ext uri="{FF2B5EF4-FFF2-40B4-BE49-F238E27FC236}">
-                <a16:creationId xmlns:a16="http://schemas.microsoft.com/office/drawing/2014/main" id="{F6C138DD-D569-4A13-8F5A-AD9B7C9D0C6A}"/>
-              </a:ext>
-            </a:extLst>
-          </p:cNvPr>
-          <p:cNvSpPr/>
-          <p:nvPr/>
-        </p:nvSpPr>
-        <p:spPr>
-          <a:xfrm>
-            <a:off x="0" y="0"/>
-            <a:ext cx="12192000" cy="7139101"/>
-          </a:xfrm>
-          <a:prstGeom prst="rect">
-            <a:avLst/>
-          </a:prstGeom>
-          <a:gradFill flip="none" rotWithShape="1">
-            <a:gsLst>
-              <a:gs pos="100000">
-                <a:schemeClr val="accent3">
-                  <a:lumMod val="67000"/>
-                  <a:alpha val="46000"/>
-                </a:schemeClr>
-              </a:gs>
-              <a:gs pos="41000">
-                <a:schemeClr val="bg1">
-                  <a:lumMod val="85000"/>
-                  <a:alpha val="96000"/>
-                </a:schemeClr>
-              </a:gs>
-              <a:gs pos="0">
-                <a:schemeClr val="bg1"/>
-              </a:gs>
-            </a:gsLst>
-            <a:lin ang="16200000" scaled="1"/>
-            <a:tileRect/>
-          </a:gradFill>
-          <a:ln>
-            <a:noFill/>
-          </a:ln>
-        </p:spPr>
-        <p:style>
-          <a:lnRef idx="2">
-            <a:schemeClr val="accent1">
-              <a:shade val="50000"/>
-            </a:schemeClr>
-          </a:lnRef>
-          <a:fillRef idx="1">
-            <a:schemeClr val="accent1"/>
-          </a:fillRef>
-          <a:effectRef idx="0">
-            <a:schemeClr val="accent1"/>
-          </a:effectRef>
-          <a:fontRef idx="minor">
-            <a:schemeClr val="lt1"/>
-          </a:fontRef>
-        </p:style>
-        <p:txBody>
-          <a:bodyPr rtlCol="0" anchor="ctr"/>
-          <a:lstStyle/>
-          <a:p>
-            <a:pPr algn="ctr"/>
-            <a:endParaRPr lang="en-US"/>
-          </a:p>
-        </p:txBody>
-      </p:sp>
-      <p:sp>
-        <p:nvSpPr>
-          <p:cNvPr id="2" name="Titel 1">
-            <a:extLst>
-              <a:ext uri="{FF2B5EF4-FFF2-40B4-BE49-F238E27FC236}">
-                <a16:creationId xmlns:a16="http://schemas.microsoft.com/office/drawing/2014/main" id="{BBDC4704-C9C5-4AB0-8EFD-4C5BA2136C1F}"/>
-              </a:ext>
-            </a:extLst>
-          </p:cNvPr>
-          <p:cNvSpPr>
-            <a:spLocks noGrp="1"/>
-          </p:cNvSpPr>
-          <p:nvPr>
-            <p:ph type="title"/>
-          </p:nvPr>
-        </p:nvSpPr>
-        <p:spPr/>
-        <p:txBody>
-          <a:bodyPr/>
-          <a:lstStyle/>
-          <a:p>
-            <a:r>
-              <a:rPr lang="de-DE" dirty="0"/>
-              <a:t>Daten bearbeiten</a:t>
-            </a:r>
-          </a:p>
-        </p:txBody>
-      </p:sp>
-      <p:sp>
-        <p:nvSpPr>
-          <p:cNvPr id="3" name="Inhaltsplatzhalter 2">
-            <a:extLst>
-              <a:ext uri="{FF2B5EF4-FFF2-40B4-BE49-F238E27FC236}">
-                <a16:creationId xmlns:a16="http://schemas.microsoft.com/office/drawing/2014/main" id="{8197387B-7AEC-476D-A7DC-AE5A5177503A}"/>
-              </a:ext>
-            </a:extLst>
-          </p:cNvPr>
-          <p:cNvSpPr>
-            <a:spLocks noGrp="1"/>
-          </p:cNvSpPr>
-          <p:nvPr>
-            <p:ph idx="1"/>
-          </p:nvPr>
-        </p:nvSpPr>
-        <p:spPr/>
-        <p:txBody>
-          <a:bodyPr/>
-          <a:lstStyle/>
-          <a:p>
-            <a:r>
-              <a:rPr lang="de-DE" dirty="0"/>
-              <a:t>Split der Daten in Trainings-, Test- und versteckte Test-Daten</a:t>
-            </a:r>
-          </a:p>
-          <a:p>
-            <a:r>
-              <a:rPr lang="de-DE" dirty="0"/>
-              <a:t>Eventuell Skalieren der Daten (Welche haben wir verwendet?)</a:t>
-            </a:r>
-          </a:p>
-        </p:txBody>
-      </p:sp>
-    </p:spTree>
-    <p:extLst>
-      <p:ext uri="{BB962C8B-B14F-4D97-AF65-F5344CB8AC3E}">
-        <p14:creationId xmlns:p14="http://schemas.microsoft.com/office/powerpoint/2010/main" val="1767836188"/>
-      </p:ext>
-    </p:extLst>
-  </p:cSld>
-  <p:clrMapOvr>
-    <a:masterClrMapping/>
-  </p:clrMapOvr>
-</p:sld>
-</file>
-
-<file path=ppt/slides/slide6.xml><?xml version="1.0" encoding="utf-8"?>
 <p:sld xmlns:a="http://schemas.openxmlformats.org/drawingml/2006/main" xmlns:r="http://schemas.openxmlformats.org/officeDocument/2006/relationships" xmlns:p="http://schemas.openxmlformats.org/presentationml/2006/main">
   <p:cSld>
     <p:spTree>
@@ -9779,7 +9121,7 @@
 </p:sld>
 </file>
 
-<file path=ppt/slides/slide7.xml><?xml version="1.0" encoding="utf-8"?>
+<file path=ppt/slides/slide6.xml><?xml version="1.0" encoding="utf-8"?>
 <p:sld xmlns:a="http://schemas.openxmlformats.org/drawingml/2006/main" xmlns:r="http://schemas.openxmlformats.org/officeDocument/2006/relationships" xmlns:p="http://schemas.openxmlformats.org/presentationml/2006/main">
   <p:cSld>
     <p:spTree>
@@ -10494,7 +9836,7 @@
 </p:sld>
 </file>
 
-<file path=ppt/slides/slide8.xml><?xml version="1.0" encoding="utf-8"?>
+<file path=ppt/slides/slide7.xml><?xml version="1.0" encoding="utf-8"?>
 <p:sld xmlns:a="http://schemas.openxmlformats.org/drawingml/2006/main" xmlns:r="http://schemas.openxmlformats.org/officeDocument/2006/relationships" xmlns:p="http://schemas.openxmlformats.org/presentationml/2006/main">
   <p:cSld>
     <p:spTree>
@@ -10714,7 +10056,7 @@
 </p:sld>
 </file>
 
-<file path=ppt/slides/slide9.xml><?xml version="1.0" encoding="utf-8"?>
+<file path=ppt/slides/slide8.xml><?xml version="1.0" encoding="utf-8"?>
 <p:sld xmlns:a="http://schemas.openxmlformats.org/drawingml/2006/main" xmlns:r="http://schemas.openxmlformats.org/officeDocument/2006/relationships" xmlns:p="http://schemas.openxmlformats.org/presentationml/2006/main">
   <p:cSld>
     <p:spTree>
@@ -10925,6 +10267,613 @@
     <p:extLst>
       <p:ext uri="{BB962C8B-B14F-4D97-AF65-F5344CB8AC3E}">
         <p14:creationId xmlns:p14="http://schemas.microsoft.com/office/powerpoint/2010/main" val="1855832961"/>
+      </p:ext>
+    </p:extLst>
+  </p:cSld>
+  <p:clrMapOvr>
+    <a:masterClrMapping/>
+  </p:clrMapOvr>
+</p:sld>
+</file>
+
+<file path=ppt/slides/slide9.xml><?xml version="1.0" encoding="utf-8"?>
+<p:sld xmlns:a="http://schemas.openxmlformats.org/drawingml/2006/main" xmlns:r="http://schemas.openxmlformats.org/officeDocument/2006/relationships" xmlns:p="http://schemas.openxmlformats.org/presentationml/2006/main">
+  <p:cSld>
+    <p:spTree>
+      <p:nvGrpSpPr>
+        <p:cNvPr id="1" name=""/>
+        <p:cNvGrpSpPr/>
+        <p:nvPr/>
+      </p:nvGrpSpPr>
+      <p:grpSpPr>
+        <a:xfrm>
+          <a:off x="0" y="0"/>
+          <a:ext cx="0" cy="0"/>
+          <a:chOff x="0" y="0"/>
+          <a:chExt cx="0" cy="0"/>
+        </a:xfrm>
+      </p:grpSpPr>
+      <p:sp>
+        <p:nvSpPr>
+          <p:cNvPr id="4" name="Rechteck 3">
+            <a:extLst>
+              <a:ext uri="{FF2B5EF4-FFF2-40B4-BE49-F238E27FC236}">
+                <a16:creationId xmlns:a16="http://schemas.microsoft.com/office/drawing/2014/main" id="{F6C138DD-D569-4A13-8F5A-AD9B7C9D0C6A}"/>
+              </a:ext>
+            </a:extLst>
+          </p:cNvPr>
+          <p:cNvSpPr/>
+          <p:nvPr/>
+        </p:nvSpPr>
+        <p:spPr>
+          <a:xfrm>
+            <a:off x="0" y="0"/>
+            <a:ext cx="12192000" cy="7139101"/>
+          </a:xfrm>
+          <a:prstGeom prst="rect">
+            <a:avLst/>
+          </a:prstGeom>
+          <a:gradFill flip="none" rotWithShape="1">
+            <a:gsLst>
+              <a:gs pos="100000">
+                <a:schemeClr val="accent3">
+                  <a:lumMod val="67000"/>
+                  <a:alpha val="46000"/>
+                </a:schemeClr>
+              </a:gs>
+              <a:gs pos="41000">
+                <a:schemeClr val="bg1">
+                  <a:lumMod val="85000"/>
+                  <a:alpha val="96000"/>
+                </a:schemeClr>
+              </a:gs>
+              <a:gs pos="0">
+                <a:schemeClr val="bg1"/>
+              </a:gs>
+            </a:gsLst>
+            <a:lin ang="16200000" scaled="1"/>
+            <a:tileRect/>
+          </a:gradFill>
+          <a:ln>
+            <a:noFill/>
+          </a:ln>
+        </p:spPr>
+        <p:style>
+          <a:lnRef idx="2">
+            <a:schemeClr val="accent1">
+              <a:shade val="50000"/>
+            </a:schemeClr>
+          </a:lnRef>
+          <a:fillRef idx="1">
+            <a:schemeClr val="accent1"/>
+          </a:fillRef>
+          <a:effectRef idx="0">
+            <a:schemeClr val="accent1"/>
+          </a:effectRef>
+          <a:fontRef idx="minor">
+            <a:schemeClr val="lt1"/>
+          </a:fontRef>
+        </p:style>
+        <p:txBody>
+          <a:bodyPr rtlCol="0" anchor="ctr"/>
+          <a:lstStyle/>
+          <a:p>
+            <a:pPr algn="ctr"/>
+            <a:endParaRPr lang="en-US"/>
+          </a:p>
+        </p:txBody>
+      </p:sp>
+      <p:sp>
+        <p:nvSpPr>
+          <p:cNvPr id="2" name="Titel 1">
+            <a:extLst>
+              <a:ext uri="{FF2B5EF4-FFF2-40B4-BE49-F238E27FC236}">
+                <a16:creationId xmlns:a16="http://schemas.microsoft.com/office/drawing/2014/main" id="{BBDC4704-C9C5-4AB0-8EFD-4C5BA2136C1F}"/>
+              </a:ext>
+            </a:extLst>
+          </p:cNvPr>
+          <p:cNvSpPr>
+            <a:spLocks noGrp="1"/>
+          </p:cNvSpPr>
+          <p:nvPr>
+            <p:ph type="title"/>
+          </p:nvPr>
+        </p:nvSpPr>
+        <p:spPr/>
+        <p:txBody>
+          <a:bodyPr>
+            <a:normAutofit/>
+          </a:bodyPr>
+          <a:lstStyle/>
+          <a:p>
+            <a:r>
+              <a:rPr lang="de-DE" dirty="0"/>
+              <a:t>Vergleich der Modelle bei 33% Trainings-Daten</a:t>
+            </a:r>
+          </a:p>
+        </p:txBody>
+      </p:sp>
+      <p:graphicFrame>
+        <p:nvGraphicFramePr>
+          <p:cNvPr id="5" name="Tabelle 5">
+            <a:extLst>
+              <a:ext uri="{FF2B5EF4-FFF2-40B4-BE49-F238E27FC236}">
+                <a16:creationId xmlns:a16="http://schemas.microsoft.com/office/drawing/2014/main" id="{E968F7A2-98F8-411D-ACBA-2C8F09A520D1}"/>
+              </a:ext>
+            </a:extLst>
+          </p:cNvPr>
+          <p:cNvGraphicFramePr>
+            <a:graphicFrameLocks noGrp="1"/>
+          </p:cNvGraphicFramePr>
+          <p:nvPr>
+            <p:ph idx="1"/>
+            <p:extLst>
+              <p:ext uri="{D42A27DB-BD31-4B8C-83A1-F6EECF244321}">
+                <p14:modId xmlns:p14="http://schemas.microsoft.com/office/powerpoint/2010/main" val="1214915105"/>
+              </p:ext>
+            </p:extLst>
+          </p:nvPr>
+        </p:nvGraphicFramePr>
+        <p:xfrm>
+          <a:off x="838200" y="1825625"/>
+          <a:ext cx="10515600" cy="1112520"/>
+        </p:xfrm>
+        <a:graphic>
+          <a:graphicData uri="http://schemas.openxmlformats.org/drawingml/2006/table">
+            <a:tbl>
+              <a:tblPr firstRow="1" bandRow="1">
+                <a:tableStyleId>{D7AC3CCA-C797-4891-BE02-D94E43425B78}</a:tableStyleId>
+              </a:tblPr>
+              <a:tblGrid>
+                <a:gridCol w="1772392">
+                  <a:extLst>
+                    <a:ext uri="{9D8B030D-6E8A-4147-A177-3AD203B41FA5}">
+                      <a16:colId xmlns:a16="http://schemas.microsoft.com/office/drawing/2014/main" val="1616580921"/>
+                    </a:ext>
+                  </a:extLst>
+                </a:gridCol>
+                <a:gridCol w="1579418">
+                  <a:extLst>
+                    <a:ext uri="{9D8B030D-6E8A-4147-A177-3AD203B41FA5}">
+                      <a16:colId xmlns:a16="http://schemas.microsoft.com/office/drawing/2014/main" val="262472058"/>
+                    </a:ext>
+                  </a:extLst>
+                </a:gridCol>
+                <a:gridCol w="2126707">
+                  <a:extLst>
+                    <a:ext uri="{9D8B030D-6E8A-4147-A177-3AD203B41FA5}">
+                      <a16:colId xmlns:a16="http://schemas.microsoft.com/office/drawing/2014/main" val="934201785"/>
+                    </a:ext>
+                  </a:extLst>
+                </a:gridCol>
+                <a:gridCol w="1240221">
+                  <a:extLst>
+                    <a:ext uri="{9D8B030D-6E8A-4147-A177-3AD203B41FA5}">
+                      <a16:colId xmlns:a16="http://schemas.microsoft.com/office/drawing/2014/main" val="3629991919"/>
+                    </a:ext>
+                  </a:extLst>
+                </a:gridCol>
+                <a:gridCol w="1271752">
+                  <a:extLst>
+                    <a:ext uri="{9D8B030D-6E8A-4147-A177-3AD203B41FA5}">
+                      <a16:colId xmlns:a16="http://schemas.microsoft.com/office/drawing/2014/main" val="3347650153"/>
+                    </a:ext>
+                  </a:extLst>
+                </a:gridCol>
+                <a:gridCol w="1370235">
+                  <a:extLst>
+                    <a:ext uri="{9D8B030D-6E8A-4147-A177-3AD203B41FA5}">
+                      <a16:colId xmlns:a16="http://schemas.microsoft.com/office/drawing/2014/main" val="3262467614"/>
+                    </a:ext>
+                  </a:extLst>
+                </a:gridCol>
+                <a:gridCol w="1154875">
+                  <a:extLst>
+                    <a:ext uri="{9D8B030D-6E8A-4147-A177-3AD203B41FA5}">
+                      <a16:colId xmlns:a16="http://schemas.microsoft.com/office/drawing/2014/main" val="1654754351"/>
+                    </a:ext>
+                  </a:extLst>
+                </a:gridCol>
+              </a:tblGrid>
+              <a:tr h="370840">
+                <a:tc>
+                  <a:txBody>
+                    <a:bodyPr/>
+                    <a:lstStyle/>
+                    <a:p>
+                      <a:r>
+                        <a:rPr lang="de-DE" dirty="0"/>
+                        <a:t>Model</a:t>
+                      </a:r>
+                      <a:endParaRPr lang="en-US" dirty="0"/>
+                    </a:p>
+                  </a:txBody>
+                  <a:tcPr/>
+                </a:tc>
+                <a:tc>
+                  <a:txBody>
+                    <a:bodyPr/>
+                    <a:lstStyle/>
+                    <a:p>
+                      <a:r>
+                        <a:rPr lang="de-DE" dirty="0"/>
+                        <a:t>Genauigkeit</a:t>
+                      </a:r>
+                      <a:endParaRPr lang="en-US" dirty="0"/>
+                    </a:p>
+                  </a:txBody>
+                  <a:tcPr/>
+                </a:tc>
+                <a:tc>
+                  <a:txBody>
+                    <a:bodyPr/>
+                    <a:lstStyle/>
+                    <a:p>
+                      <a:r>
+                        <a:rPr lang="de-DE" dirty="0"/>
+                        <a:t>Features verwendet</a:t>
+                      </a:r>
+                      <a:endParaRPr lang="en-US" dirty="0"/>
+                    </a:p>
+                  </a:txBody>
+                  <a:tcPr/>
+                </a:tc>
+                <a:tc>
+                  <a:txBody>
+                    <a:bodyPr/>
+                    <a:lstStyle/>
+                    <a:p>
+                      <a:r>
+                        <a:rPr lang="de-DE" dirty="0"/>
+                        <a:t>Klasse 1</a:t>
+                      </a:r>
+                      <a:endParaRPr lang="en-US" dirty="0"/>
+                    </a:p>
+                  </a:txBody>
+                  <a:tcPr/>
+                </a:tc>
+                <a:tc>
+                  <a:txBody>
+                    <a:bodyPr/>
+                    <a:lstStyle/>
+                    <a:p>
+                      <a:r>
+                        <a:rPr lang="de-DE" dirty="0"/>
+                        <a:t>Klasse 2</a:t>
+                      </a:r>
+                      <a:endParaRPr lang="en-US" dirty="0"/>
+                    </a:p>
+                  </a:txBody>
+                  <a:tcPr/>
+                </a:tc>
+                <a:tc>
+                  <a:txBody>
+                    <a:bodyPr/>
+                    <a:lstStyle/>
+                    <a:p>
+                      <a:r>
+                        <a:rPr lang="de-DE" dirty="0"/>
+                        <a:t>Klasse 3</a:t>
+                      </a:r>
+                      <a:endParaRPr lang="en-US" dirty="0"/>
+                    </a:p>
+                  </a:txBody>
+                  <a:tcPr/>
+                </a:tc>
+                <a:tc>
+                  <a:txBody>
+                    <a:bodyPr/>
+                    <a:lstStyle/>
+                    <a:p>
+                      <a:r>
+                        <a:rPr lang="de-DE" dirty="0"/>
+                        <a:t>Klasse 4</a:t>
+                      </a:r>
+                      <a:endParaRPr lang="en-US" dirty="0"/>
+                    </a:p>
+                  </a:txBody>
+                  <a:tcPr/>
+                </a:tc>
+                <a:extLst>
+                  <a:ext uri="{0D108BD9-81ED-4DB2-BD59-A6C34878D82A}">
+                    <a16:rowId xmlns:a16="http://schemas.microsoft.com/office/drawing/2014/main" val="307650023"/>
+                  </a:ext>
+                </a:extLst>
+              </a:tr>
+              <a:tr h="370840">
+                <a:tc>
+                  <a:txBody>
+                    <a:bodyPr/>
+                    <a:lstStyle/>
+                    <a:p>
+                      <a:r>
+                        <a:rPr lang="de-DE" dirty="0" err="1"/>
+                        <a:t>RandomForest</a:t>
+                      </a:r>
+                      <a:endParaRPr lang="de-DE" dirty="0"/>
+                    </a:p>
+                  </a:txBody>
+                  <a:tcPr/>
+                </a:tc>
+                <a:tc>
+                  <a:txBody>
+                    <a:bodyPr/>
+                    <a:lstStyle/>
+                    <a:p>
+                      <a:r>
+                        <a:rPr lang="de-DE" dirty="0"/>
+                        <a:t>0,99</a:t>
+                      </a:r>
+                      <a:endParaRPr lang="en-US" dirty="0"/>
+                    </a:p>
+                  </a:txBody>
+                  <a:tcPr/>
+                </a:tc>
+                <a:tc>
+                  <a:txBody>
+                    <a:bodyPr/>
+                    <a:lstStyle/>
+                    <a:p>
+                      <a:r>
+                        <a:rPr lang="de-DE" dirty="0"/>
+                        <a:t>257</a:t>
+                      </a:r>
+                      <a:endParaRPr lang="en-US" dirty="0"/>
+                    </a:p>
+                  </a:txBody>
+                  <a:tcPr/>
+                </a:tc>
+                <a:tc>
+                  <a:txBody>
+                    <a:bodyPr/>
+                    <a:lstStyle/>
+                    <a:p>
+                      <a:r>
+                        <a:rPr lang="de-DE" dirty="0"/>
+                        <a:t>1</a:t>
+                      </a:r>
+                      <a:endParaRPr lang="en-US" dirty="0"/>
+                    </a:p>
+                  </a:txBody>
+                  <a:tcPr/>
+                </a:tc>
+                <a:tc>
+                  <a:txBody>
+                    <a:bodyPr/>
+                    <a:lstStyle/>
+                    <a:p>
+                      <a:r>
+                        <a:rPr lang="de-DE" dirty="0"/>
+                        <a:t>0,99</a:t>
+                      </a:r>
+                      <a:endParaRPr lang="en-US" dirty="0"/>
+                    </a:p>
+                  </a:txBody>
+                  <a:tcPr/>
+                </a:tc>
+                <a:tc>
+                  <a:txBody>
+                    <a:bodyPr/>
+                    <a:lstStyle/>
+                    <a:p>
+                      <a:r>
+                        <a:rPr lang="de-DE" dirty="0"/>
+                        <a:t>0,98</a:t>
+                      </a:r>
+                      <a:endParaRPr lang="en-US" dirty="0"/>
+                    </a:p>
+                  </a:txBody>
+                  <a:tcPr/>
+                </a:tc>
+                <a:tc>
+                  <a:txBody>
+                    <a:bodyPr/>
+                    <a:lstStyle/>
+                    <a:p>
+                      <a:r>
+                        <a:rPr lang="de-DE" dirty="0"/>
+                        <a:t>1</a:t>
+                      </a:r>
+                      <a:endParaRPr lang="en-US" dirty="0"/>
+                    </a:p>
+                  </a:txBody>
+                  <a:tcPr/>
+                </a:tc>
+                <a:extLst>
+                  <a:ext uri="{0D108BD9-81ED-4DB2-BD59-A6C34878D82A}">
+                    <a16:rowId xmlns:a16="http://schemas.microsoft.com/office/drawing/2014/main" val="3217940233"/>
+                  </a:ext>
+                </a:extLst>
+              </a:tr>
+              <a:tr h="370840">
+                <a:tc>
+                  <a:txBody>
+                    <a:bodyPr/>
+                    <a:lstStyle/>
+                    <a:p>
+                      <a:r>
+                        <a:rPr lang="de-DE" dirty="0" err="1"/>
+                        <a:t>DecisionTree</a:t>
+                      </a:r>
+                      <a:endParaRPr lang="de-DE" dirty="0"/>
+                    </a:p>
+                  </a:txBody>
+                  <a:tcPr/>
+                </a:tc>
+                <a:tc>
+                  <a:txBody>
+                    <a:bodyPr/>
+                    <a:lstStyle/>
+                    <a:p>
+                      <a:r>
+                        <a:rPr lang="de-DE" dirty="0"/>
+                        <a:t>0,94</a:t>
+                      </a:r>
+                      <a:endParaRPr lang="en-US" dirty="0"/>
+                    </a:p>
+                  </a:txBody>
+                  <a:tcPr/>
+                </a:tc>
+                <a:tc>
+                  <a:txBody>
+                    <a:bodyPr/>
+                    <a:lstStyle/>
+                    <a:p>
+                      <a:r>
+                        <a:rPr lang="de-DE" dirty="0"/>
+                        <a:t>37</a:t>
+                      </a:r>
+                      <a:endParaRPr lang="en-US" dirty="0"/>
+                    </a:p>
+                  </a:txBody>
+                  <a:tcPr/>
+                </a:tc>
+                <a:tc>
+                  <a:txBody>
+                    <a:bodyPr/>
+                    <a:lstStyle/>
+                    <a:p>
+                      <a:r>
+                        <a:rPr lang="de-DE" dirty="0"/>
+                        <a:t>0,98</a:t>
+                      </a:r>
+                      <a:endParaRPr lang="en-US" dirty="0"/>
+                    </a:p>
+                  </a:txBody>
+                  <a:tcPr/>
+                </a:tc>
+                <a:tc>
+                  <a:txBody>
+                    <a:bodyPr/>
+                    <a:lstStyle/>
+                    <a:p>
+                      <a:r>
+                        <a:rPr lang="de-DE" dirty="0"/>
+                        <a:t>0,94</a:t>
+                      </a:r>
+                      <a:endParaRPr lang="en-US" dirty="0"/>
+                    </a:p>
+                  </a:txBody>
+                  <a:tcPr/>
+                </a:tc>
+                <a:tc>
+                  <a:txBody>
+                    <a:bodyPr/>
+                    <a:lstStyle/>
+                    <a:p>
+                      <a:r>
+                        <a:rPr lang="de-DE" dirty="0"/>
+                        <a:t>0,86</a:t>
+                      </a:r>
+                      <a:endParaRPr lang="en-US" dirty="0"/>
+                    </a:p>
+                  </a:txBody>
+                  <a:tcPr/>
+                </a:tc>
+                <a:tc>
+                  <a:txBody>
+                    <a:bodyPr/>
+                    <a:lstStyle/>
+                    <a:p>
+                      <a:r>
+                        <a:rPr lang="de-DE" dirty="0"/>
+                        <a:t>1</a:t>
+                      </a:r>
+                      <a:endParaRPr lang="en-US" dirty="0"/>
+                    </a:p>
+                  </a:txBody>
+                  <a:tcPr/>
+                </a:tc>
+                <a:extLst>
+                  <a:ext uri="{0D108BD9-81ED-4DB2-BD59-A6C34878D82A}">
+                    <a16:rowId xmlns:a16="http://schemas.microsoft.com/office/drawing/2014/main" val="3546736646"/>
+                  </a:ext>
+                </a:extLst>
+              </a:tr>
+            </a:tbl>
+          </a:graphicData>
+        </a:graphic>
+      </p:graphicFrame>
+      <p:sp>
+        <p:nvSpPr>
+          <p:cNvPr id="6" name="Textfeld 5">
+            <a:extLst>
+              <a:ext uri="{FF2B5EF4-FFF2-40B4-BE49-F238E27FC236}">
+                <a16:creationId xmlns:a16="http://schemas.microsoft.com/office/drawing/2014/main" id="{E7326FE5-38FE-4219-95CA-515D14650636}"/>
+              </a:ext>
+            </a:extLst>
+          </p:cNvPr>
+          <p:cNvSpPr txBox="1"/>
+          <p:nvPr/>
+        </p:nvSpPr>
+        <p:spPr>
+          <a:xfrm>
+            <a:off x="838200" y="3429000"/>
+            <a:ext cx="10515600" cy="369332"/>
+          </a:xfrm>
+          <a:prstGeom prst="rect">
+            <a:avLst/>
+          </a:prstGeom>
+          <a:noFill/>
+        </p:spPr>
+        <p:txBody>
+          <a:bodyPr wrap="square" rtlCol="0">
+            <a:spAutoFit/>
+          </a:bodyPr>
+          <a:lstStyle/>
+          <a:p>
+            <a:r>
+              <a:rPr lang="de-DE" dirty="0"/>
+              <a:t>-&gt; Klasse 1 und 4 werden sehr gut erkannt</a:t>
+            </a:r>
+            <a:endParaRPr lang="en-US" dirty="0"/>
+          </a:p>
+        </p:txBody>
+      </p:sp>
+      <p:sp>
+        <p:nvSpPr>
+          <p:cNvPr id="9" name="Textfeld 8">
+            <a:extLst>
+              <a:ext uri="{FF2B5EF4-FFF2-40B4-BE49-F238E27FC236}">
+                <a16:creationId xmlns:a16="http://schemas.microsoft.com/office/drawing/2014/main" id="{0FC11959-52D8-4CE6-8B88-4B7A48386F23}"/>
+              </a:ext>
+            </a:extLst>
+          </p:cNvPr>
+          <p:cNvSpPr txBox="1"/>
+          <p:nvPr/>
+        </p:nvSpPr>
+        <p:spPr>
+          <a:xfrm>
+            <a:off x="244366" y="6488668"/>
+            <a:ext cx="10515600" cy="338554"/>
+          </a:xfrm>
+          <a:prstGeom prst="rect">
+            <a:avLst/>
+          </a:prstGeom>
+          <a:noFill/>
+        </p:spPr>
+        <p:txBody>
+          <a:bodyPr wrap="square" rtlCol="0">
+            <a:spAutoFit/>
+          </a:bodyPr>
+          <a:lstStyle/>
+          <a:p>
+            <a:r>
+              <a:rPr lang="de-DE" sz="1600" dirty="0"/>
+              <a:t>* Von 3060 Daten, unskaliert und alle Features bei 100 </a:t>
+            </a:r>
+            <a:r>
+              <a:rPr lang="de-DE" sz="1600" dirty="0" err="1"/>
+              <a:t>Folds</a:t>
+            </a:r>
+            <a:endParaRPr lang="en-US" sz="1600" dirty="0"/>
+          </a:p>
+        </p:txBody>
+      </p:sp>
+    </p:spTree>
+    <p:extLst>
+      <p:ext uri="{BB962C8B-B14F-4D97-AF65-F5344CB8AC3E}">
+        <p14:creationId xmlns:p14="http://schemas.microsoft.com/office/powerpoint/2010/main" val="591963584"/>
       </p:ext>
     </p:extLst>
   </p:cSld>
